--- a/doc/logo.pptx
+++ b/doc/logo.pptx
@@ -6,6 +6,7 @@
   </p:sldMasterIdLst>
   <p:sldIdLst>
     <p:sldId id="256" r:id="rId2"/>
+    <p:sldId id="257" r:id="rId3"/>
   </p:sldIdLst>
   <p:sldSz cx="12192000" cy="6858000"/>
   <p:notesSz cx="6858000" cy="9144000"/>
@@ -104,6 +105,11 @@
       </a:defRPr>
     </a:lvl9pPr>
   </p:defaultTextStyle>
+  <p:extLst>
+    <p:ext uri="{EFAFB233-063F-42B5-8137-9DF3F51BA10A}">
+      <p15:sldGuideLst xmlns:p15="http://schemas.microsoft.com/office/powerpoint/2012/main"/>
+    </p:ext>
+  </p:extLst>
 </p:presentation>
 </file>
 
@@ -254,7 +260,7 @@
           <a:p>
             <a:fld id="{6C33C58C-061C-44F1-A237-2E36B5F906E4}" type="datetimeFigureOut">
               <a:rPr kumimoji="1" lang="ja-JP" altLang="en-US" smtClean="0"/>
-              <a:t>2020/6/27</a:t>
+              <a:t>2020/6/28</a:t>
             </a:fld>
             <a:endParaRPr kumimoji="1" lang="ja-JP" altLang="en-US"/>
           </a:p>
@@ -484,7 +490,7 @@
           <a:p>
             <a:fld id="{6C33C58C-061C-44F1-A237-2E36B5F906E4}" type="datetimeFigureOut">
               <a:rPr kumimoji="1" lang="ja-JP" altLang="en-US" smtClean="0"/>
-              <a:t>2020/6/27</a:t>
+              <a:t>2020/6/28</a:t>
             </a:fld>
             <a:endParaRPr kumimoji="1" lang="ja-JP" altLang="en-US"/>
           </a:p>
@@ -724,7 +730,7 @@
           <a:p>
             <a:fld id="{6C33C58C-061C-44F1-A237-2E36B5F906E4}" type="datetimeFigureOut">
               <a:rPr kumimoji="1" lang="ja-JP" altLang="en-US" smtClean="0"/>
-              <a:t>2020/6/27</a:t>
+              <a:t>2020/6/28</a:t>
             </a:fld>
             <a:endParaRPr kumimoji="1" lang="ja-JP" altLang="en-US"/>
           </a:p>
@@ -954,7 +960,7 @@
           <a:p>
             <a:fld id="{6C33C58C-061C-44F1-A237-2E36B5F906E4}" type="datetimeFigureOut">
               <a:rPr kumimoji="1" lang="ja-JP" altLang="en-US" smtClean="0"/>
-              <a:t>2020/6/27</a:t>
+              <a:t>2020/6/28</a:t>
             </a:fld>
             <a:endParaRPr kumimoji="1" lang="ja-JP" altLang="en-US"/>
           </a:p>
@@ -1229,7 +1235,7 @@
           <a:p>
             <a:fld id="{6C33C58C-061C-44F1-A237-2E36B5F906E4}" type="datetimeFigureOut">
               <a:rPr kumimoji="1" lang="ja-JP" altLang="en-US" smtClean="0"/>
-              <a:t>2020/6/27</a:t>
+              <a:t>2020/6/28</a:t>
             </a:fld>
             <a:endParaRPr kumimoji="1" lang="ja-JP" altLang="en-US"/>
           </a:p>
@@ -1558,7 +1564,7 @@
           <a:p>
             <a:fld id="{6C33C58C-061C-44F1-A237-2E36B5F906E4}" type="datetimeFigureOut">
               <a:rPr kumimoji="1" lang="ja-JP" altLang="en-US" smtClean="0"/>
-              <a:t>2020/6/27</a:t>
+              <a:t>2020/6/28</a:t>
             </a:fld>
             <a:endParaRPr kumimoji="1" lang="ja-JP" altLang="en-US"/>
           </a:p>
@@ -2034,7 +2040,7 @@
           <a:p>
             <a:fld id="{6C33C58C-061C-44F1-A237-2E36B5F906E4}" type="datetimeFigureOut">
               <a:rPr kumimoji="1" lang="ja-JP" altLang="en-US" smtClean="0"/>
-              <a:t>2020/6/27</a:t>
+              <a:t>2020/6/28</a:t>
             </a:fld>
             <a:endParaRPr kumimoji="1" lang="ja-JP" altLang="en-US"/>
           </a:p>
@@ -2175,7 +2181,7 @@
           <a:p>
             <a:fld id="{6C33C58C-061C-44F1-A237-2E36B5F906E4}" type="datetimeFigureOut">
               <a:rPr kumimoji="1" lang="ja-JP" altLang="en-US" smtClean="0"/>
-              <a:t>2020/6/27</a:t>
+              <a:t>2020/6/28</a:t>
             </a:fld>
             <a:endParaRPr kumimoji="1" lang="ja-JP" altLang="en-US"/>
           </a:p>
@@ -2288,7 +2294,7 @@
           <a:p>
             <a:fld id="{6C33C58C-061C-44F1-A237-2E36B5F906E4}" type="datetimeFigureOut">
               <a:rPr kumimoji="1" lang="ja-JP" altLang="en-US" smtClean="0"/>
-              <a:t>2020/6/27</a:t>
+              <a:t>2020/6/28</a:t>
             </a:fld>
             <a:endParaRPr kumimoji="1" lang="ja-JP" altLang="en-US"/>
           </a:p>
@@ -2631,7 +2637,7 @@
           <a:p>
             <a:fld id="{6C33C58C-061C-44F1-A237-2E36B5F906E4}" type="datetimeFigureOut">
               <a:rPr kumimoji="1" lang="ja-JP" altLang="en-US" smtClean="0"/>
-              <a:t>2020/6/27</a:t>
+              <a:t>2020/6/28</a:t>
             </a:fld>
             <a:endParaRPr kumimoji="1" lang="ja-JP" altLang="en-US"/>
           </a:p>
@@ -2919,7 +2925,7 @@
           <a:p>
             <a:fld id="{6C33C58C-061C-44F1-A237-2E36B5F906E4}" type="datetimeFigureOut">
               <a:rPr kumimoji="1" lang="ja-JP" altLang="en-US" smtClean="0"/>
-              <a:t>2020/6/27</a:t>
+              <a:t>2020/6/28</a:t>
             </a:fld>
             <a:endParaRPr kumimoji="1" lang="ja-JP" altLang="en-US"/>
           </a:p>
@@ -3192,7 +3198,7 @@
           <a:p>
             <a:fld id="{6C33C58C-061C-44F1-A237-2E36B5F906E4}" type="datetimeFigureOut">
               <a:rPr kumimoji="1" lang="ja-JP" altLang="en-US" smtClean="0"/>
-              <a:t>2020/6/27</a:t>
+              <a:t>2020/6/28</a:t>
             </a:fld>
             <a:endParaRPr kumimoji="1" lang="ja-JP" altLang="en-US"/>
           </a:p>
@@ -3920,6 +3926,161 @@
 </p:sld>
 </file>
 
+<file path=ppt/slides/slide2.xml><?xml version="1.0" encoding="utf-8"?>
+<p:sld xmlns:a="http://schemas.openxmlformats.org/drawingml/2006/main" xmlns:r="http://schemas.openxmlformats.org/officeDocument/2006/relationships" xmlns:p="http://schemas.openxmlformats.org/presentationml/2006/main">
+  <p:cSld>
+    <p:spTree>
+      <p:nvGrpSpPr>
+        <p:cNvPr id="1" name=""/>
+        <p:cNvGrpSpPr/>
+        <p:nvPr/>
+      </p:nvGrpSpPr>
+      <p:grpSpPr>
+        <a:xfrm>
+          <a:off x="0" y="0"/>
+          <a:ext cx="0" cy="0"/>
+          <a:chOff x="0" y="0"/>
+          <a:chExt cx="0" cy="0"/>
+        </a:xfrm>
+      </p:grpSpPr>
+      <p:sp>
+        <p:nvSpPr>
+          <p:cNvPr id="6" name="六角形 5">
+            <a:extLst>
+              <a:ext uri="{FF2B5EF4-FFF2-40B4-BE49-F238E27FC236}">
+                <a16:creationId xmlns:a16="http://schemas.microsoft.com/office/drawing/2014/main" id="{A899BB3A-7A26-4E79-BD15-165A0B833FCB}"/>
+              </a:ext>
+            </a:extLst>
+          </p:cNvPr>
+          <p:cNvSpPr/>
+          <p:nvPr/>
+        </p:nvSpPr>
+        <p:spPr>
+          <a:xfrm>
+            <a:off x="3045203" y="1331365"/>
+            <a:ext cx="4723001" cy="4071553"/>
+          </a:xfrm>
+          <a:prstGeom prst="hexagon">
+            <a:avLst/>
+          </a:prstGeom>
+          <a:gradFill flip="none" rotWithShape="1">
+            <a:gsLst>
+              <a:gs pos="0">
+                <a:srgbClr val="00B050"/>
+              </a:gs>
+              <a:gs pos="100000">
+                <a:srgbClr val="00B0F0"/>
+              </a:gs>
+            </a:gsLst>
+            <a:lin ang="2700000" scaled="1"/>
+            <a:tileRect/>
+          </a:gradFill>
+          <a:ln>
+            <a:noFill/>
+          </a:ln>
+        </p:spPr>
+        <p:style>
+          <a:lnRef idx="2">
+            <a:schemeClr val="accent1">
+              <a:shade val="50000"/>
+            </a:schemeClr>
+          </a:lnRef>
+          <a:fillRef idx="1">
+            <a:schemeClr val="accent1"/>
+          </a:fillRef>
+          <a:effectRef idx="0">
+            <a:schemeClr val="accent1"/>
+          </a:effectRef>
+          <a:fontRef idx="minor">
+            <a:schemeClr val="lt1"/>
+          </a:fontRef>
+        </p:style>
+        <p:txBody>
+          <a:bodyPr rtlCol="0" anchor="ctr"/>
+          <a:lstStyle/>
+          <a:p>
+            <a:pPr algn="ctr"/>
+            <a:endParaRPr kumimoji="1" lang="ja-JP" altLang="en-US"/>
+          </a:p>
+        </p:txBody>
+      </p:sp>
+      <p:sp>
+        <p:nvSpPr>
+          <p:cNvPr id="7" name="正方形/長方形 6">
+            <a:extLst>
+              <a:ext uri="{FF2B5EF4-FFF2-40B4-BE49-F238E27FC236}">
+                <a16:creationId xmlns:a16="http://schemas.microsoft.com/office/drawing/2014/main" id="{1A39BFCC-FA1B-474E-BEA6-1F5CDF37D90C}"/>
+              </a:ext>
+            </a:extLst>
+          </p:cNvPr>
+          <p:cNvSpPr/>
+          <p:nvPr/>
+        </p:nvSpPr>
+        <p:spPr>
+          <a:xfrm>
+            <a:off x="3365919" y="2259145"/>
+            <a:ext cx="4161717" cy="2215991"/>
+          </a:xfrm>
+          <a:prstGeom prst="rect">
+            <a:avLst/>
+          </a:prstGeom>
+          <a:ln>
+            <a:noFill/>
+          </a:ln>
+        </p:spPr>
+        <p:txBody>
+          <a:bodyPr wrap="none">
+            <a:spAutoFit/>
+          </a:bodyPr>
+          <a:lstStyle/>
+          <a:p>
+            <a:r>
+              <a:rPr lang="en-US" altLang="ja-JP" sz="13800" dirty="0">
+                <a:ln w="44450">
+                  <a:noFill/>
+                </a:ln>
+                <a:solidFill>
+                  <a:schemeClr val="tx1">
+                    <a:lumMod val="85000"/>
+                    <a:lumOff val="15000"/>
+                  </a:schemeClr>
+                </a:solidFill>
+                <a:latin typeface="M+ 2c black" panose="020B0803020204020204" pitchFamily="50" charset="-128"/>
+                <a:ea typeface="M+ 2c black" panose="020B0803020204020204" pitchFamily="50" charset="-128"/>
+                <a:cs typeface="M+ 2c black" panose="020B0803020204020204" pitchFamily="50" charset="-128"/>
+              </a:rPr>
+              <a:t>VMT</a:t>
+            </a:r>
+            <a:endParaRPr lang="ja-JP" altLang="en-US" sz="2400" dirty="0">
+              <a:ln w="44450">
+                <a:noFill/>
+              </a:ln>
+              <a:solidFill>
+                <a:schemeClr val="tx1">
+                  <a:lumMod val="85000"/>
+                  <a:lumOff val="15000"/>
+                </a:schemeClr>
+              </a:solidFill>
+              <a:latin typeface="M+ 2c black" panose="020B0803020204020204" pitchFamily="50" charset="-128"/>
+              <a:ea typeface="M+ 2c black" panose="020B0803020204020204" pitchFamily="50" charset="-128"/>
+              <a:cs typeface="M+ 2c black" panose="020B0803020204020204" pitchFamily="50" charset="-128"/>
+            </a:endParaRPr>
+          </a:p>
+        </p:txBody>
+      </p:sp>
+    </p:spTree>
+    <p:extLst>
+      <p:ext uri="{BB962C8B-B14F-4D97-AF65-F5344CB8AC3E}">
+        <p14:creationId xmlns:p14="http://schemas.microsoft.com/office/powerpoint/2010/main" val="4097733527"/>
+      </p:ext>
+    </p:extLst>
+  </p:cSld>
+  <p:clrMapOvr>
+    <a:masterClrMapping/>
+  </p:clrMapOvr>
+</p:sld>
+</file>
+
 <file path=ppt/theme/theme1.xml><?xml version="1.0" encoding="utf-8"?>
 <a:theme xmlns:a="http://schemas.openxmlformats.org/drawingml/2006/main" name="Office テーマ">
   <a:themeElements>

--- a/doc/logo.pptx
+++ b/doc/logo.pptx
@@ -7,6 +7,7 @@
   <p:sldIdLst>
     <p:sldId id="256" r:id="rId2"/>
     <p:sldId id="257" r:id="rId3"/>
+    <p:sldId id="258" r:id="rId4"/>
   </p:sldIdLst>
   <p:sldSz cx="12192000" cy="6858000"/>
   <p:notesSz cx="6858000" cy="9144000"/>
@@ -3812,7 +3813,7 @@
         <p:spPr>
           <a:xfrm>
             <a:off x="5075483" y="2117361"/>
-            <a:ext cx="2732014" cy="1938992"/>
+            <a:ext cx="2298440" cy="1938992"/>
           </a:xfrm>
           <a:prstGeom prst="rect">
             <a:avLst/>
@@ -4072,6 +4073,226 @@
     <p:extLst>
       <p:ext uri="{BB962C8B-B14F-4D97-AF65-F5344CB8AC3E}">
         <p14:creationId xmlns:p14="http://schemas.microsoft.com/office/powerpoint/2010/main" val="4097733527"/>
+      </p:ext>
+    </p:extLst>
+  </p:cSld>
+  <p:clrMapOvr>
+    <a:masterClrMapping/>
+  </p:clrMapOvr>
+</p:sld>
+</file>
+
+<file path=ppt/slides/slide3.xml><?xml version="1.0" encoding="utf-8"?>
+<p:sld xmlns:a="http://schemas.openxmlformats.org/drawingml/2006/main" xmlns:r="http://schemas.openxmlformats.org/officeDocument/2006/relationships" xmlns:p="http://schemas.openxmlformats.org/presentationml/2006/main">
+  <p:cSld>
+    <p:bg>
+      <p:bgPr>
+        <a:solidFill>
+          <a:schemeClr val="tx1"/>
+        </a:solidFill>
+        <a:effectLst/>
+      </p:bgPr>
+    </p:bg>
+    <p:spTree>
+      <p:nvGrpSpPr>
+        <p:cNvPr id="1" name=""/>
+        <p:cNvGrpSpPr/>
+        <p:nvPr/>
+      </p:nvGrpSpPr>
+      <p:grpSpPr>
+        <a:xfrm>
+          <a:off x="0" y="0"/>
+          <a:ext cx="0" cy="0"/>
+          <a:chOff x="0" y="0"/>
+          <a:chExt cx="0" cy="0"/>
+        </a:xfrm>
+      </p:grpSpPr>
+      <p:sp>
+        <p:nvSpPr>
+          <p:cNvPr id="4" name="六角形 3">
+            <a:extLst>
+              <a:ext uri="{FF2B5EF4-FFF2-40B4-BE49-F238E27FC236}">
+                <a16:creationId xmlns:a16="http://schemas.microsoft.com/office/drawing/2014/main" id="{34B775C3-0280-48B1-BEEF-E7DAD5C3063F}"/>
+              </a:ext>
+            </a:extLst>
+          </p:cNvPr>
+          <p:cNvSpPr/>
+          <p:nvPr/>
+        </p:nvSpPr>
+        <p:spPr>
+          <a:xfrm>
+            <a:off x="4057475" y="1577131"/>
+            <a:ext cx="4077049" cy="2994870"/>
+          </a:xfrm>
+          <a:prstGeom prst="hexagon">
+            <a:avLst/>
+          </a:prstGeom>
+          <a:gradFill>
+            <a:gsLst>
+              <a:gs pos="0">
+                <a:srgbClr val="00421E"/>
+              </a:gs>
+              <a:gs pos="100000">
+                <a:srgbClr val="003E54"/>
+              </a:gs>
+            </a:gsLst>
+            <a:lin ang="5400000" scaled="1"/>
+          </a:gradFill>
+          <a:ln w="28575">
+            <a:solidFill>
+              <a:schemeClr val="bg1"/>
+            </a:solidFill>
+          </a:ln>
+        </p:spPr>
+        <p:style>
+          <a:lnRef idx="2">
+            <a:schemeClr val="accent1">
+              <a:shade val="50000"/>
+            </a:schemeClr>
+          </a:lnRef>
+          <a:fillRef idx="1">
+            <a:schemeClr val="accent1"/>
+          </a:fillRef>
+          <a:effectRef idx="0">
+            <a:schemeClr val="accent1"/>
+          </a:effectRef>
+          <a:fontRef idx="minor">
+            <a:schemeClr val="lt1"/>
+          </a:fontRef>
+        </p:style>
+        <p:txBody>
+          <a:bodyPr rtlCol="0" anchor="ctr"/>
+          <a:lstStyle/>
+          <a:p>
+            <a:pPr algn="ctr"/>
+            <a:endParaRPr kumimoji="1" lang="ja-JP" altLang="en-US" sz="4400" dirty="0">
+              <a:latin typeface="M+ 2p medium" panose="020B0603020203020204" pitchFamily="50" charset="-128"/>
+              <a:ea typeface="M+ 2p medium" panose="020B0603020203020204" pitchFamily="50" charset="-128"/>
+              <a:cs typeface="M+ 2p medium" panose="020B0603020203020204" pitchFamily="50" charset="-128"/>
+            </a:endParaRPr>
+          </a:p>
+        </p:txBody>
+      </p:sp>
+      <p:sp>
+        <p:nvSpPr>
+          <p:cNvPr id="5" name="正方形/長方形 4">
+            <a:extLst>
+              <a:ext uri="{FF2B5EF4-FFF2-40B4-BE49-F238E27FC236}">
+                <a16:creationId xmlns:a16="http://schemas.microsoft.com/office/drawing/2014/main" id="{CD2294DE-05C2-4003-A10D-1AE5FE4C388B}"/>
+              </a:ext>
+            </a:extLst>
+          </p:cNvPr>
+          <p:cNvSpPr/>
+          <p:nvPr/>
+        </p:nvSpPr>
+        <p:spPr>
+          <a:xfrm>
+            <a:off x="5075483" y="2117361"/>
+            <a:ext cx="2298440" cy="1938992"/>
+          </a:xfrm>
+          <a:prstGeom prst="rect">
+            <a:avLst/>
+          </a:prstGeom>
+        </p:spPr>
+        <p:txBody>
+          <a:bodyPr wrap="square">
+            <a:spAutoFit/>
+          </a:bodyPr>
+          <a:lstStyle/>
+          <a:p>
+            <a:r>
+              <a:rPr lang="en-US" altLang="ja-JP" sz="4000" dirty="0">
+                <a:solidFill>
+                  <a:srgbClr val="00B0F0"/>
+                </a:solidFill>
+                <a:latin typeface="M+ 2p medium" panose="020B0603020203020204" pitchFamily="50" charset="-128"/>
+                <a:ea typeface="M+ 2p medium" panose="020B0603020203020204" pitchFamily="50" charset="-128"/>
+                <a:cs typeface="M+ 2p medium" panose="020B0603020203020204" pitchFamily="50" charset="-128"/>
+              </a:rPr>
+              <a:t>V</a:t>
+            </a:r>
+            <a:r>
+              <a:rPr lang="en-US" altLang="ja-JP" sz="4000" dirty="0">
+                <a:solidFill>
+                  <a:schemeClr val="bg1">
+                    <a:lumMod val="65000"/>
+                  </a:schemeClr>
+                </a:solidFill>
+                <a:latin typeface="M+ 2p medium" panose="020B0603020203020204" pitchFamily="50" charset="-128"/>
+                <a:ea typeface="M+ 2p medium" panose="020B0603020203020204" pitchFamily="50" charset="-128"/>
+                <a:cs typeface="M+ 2p medium" panose="020B0603020203020204" pitchFamily="50" charset="-128"/>
+              </a:rPr>
+              <a:t>irtual </a:t>
+            </a:r>
+          </a:p>
+          <a:p>
+            <a:r>
+              <a:rPr lang="en-US" altLang="ja-JP" sz="4000" dirty="0">
+                <a:solidFill>
+                  <a:srgbClr val="FF21D5"/>
+                </a:solidFill>
+                <a:latin typeface="M+ 2p medium" panose="020B0603020203020204" pitchFamily="50" charset="-128"/>
+                <a:ea typeface="M+ 2p medium" panose="020B0603020203020204" pitchFamily="50" charset="-128"/>
+                <a:cs typeface="M+ 2p medium" panose="020B0603020203020204" pitchFamily="50" charset="-128"/>
+              </a:rPr>
+              <a:t>M</a:t>
+            </a:r>
+            <a:r>
+              <a:rPr lang="en-US" altLang="ja-JP" sz="4000" dirty="0">
+                <a:solidFill>
+                  <a:schemeClr val="bg1">
+                    <a:lumMod val="65000"/>
+                  </a:schemeClr>
+                </a:solidFill>
+                <a:latin typeface="M+ 2p medium" panose="020B0603020203020204" pitchFamily="50" charset="-128"/>
+                <a:ea typeface="M+ 2p medium" panose="020B0603020203020204" pitchFamily="50" charset="-128"/>
+                <a:cs typeface="M+ 2p medium" panose="020B0603020203020204" pitchFamily="50" charset="-128"/>
+              </a:rPr>
+              <a:t>otion</a:t>
+            </a:r>
+          </a:p>
+          <a:p>
+            <a:r>
+              <a:rPr lang="en-US" altLang="ja-JP" sz="4000" dirty="0">
+                <a:solidFill>
+                  <a:srgbClr val="FFFF00"/>
+                </a:solidFill>
+                <a:latin typeface="M+ 2p medium" panose="020B0603020203020204" pitchFamily="50" charset="-128"/>
+                <a:ea typeface="M+ 2p medium" panose="020B0603020203020204" pitchFamily="50" charset="-128"/>
+                <a:cs typeface="M+ 2p medium" panose="020B0603020203020204" pitchFamily="50" charset="-128"/>
+              </a:rPr>
+              <a:t>T</a:t>
+            </a:r>
+            <a:r>
+              <a:rPr lang="en-US" altLang="ja-JP" sz="4000" dirty="0">
+                <a:solidFill>
+                  <a:schemeClr val="bg1">
+                    <a:lumMod val="65000"/>
+                  </a:schemeClr>
+                </a:solidFill>
+                <a:latin typeface="M+ 2p medium" panose="020B0603020203020204" pitchFamily="50" charset="-128"/>
+                <a:ea typeface="M+ 2p medium" panose="020B0603020203020204" pitchFamily="50" charset="-128"/>
+                <a:cs typeface="M+ 2p medium" panose="020B0603020203020204" pitchFamily="50" charset="-128"/>
+              </a:rPr>
+              <a:t>racker</a:t>
+            </a:r>
+            <a:endParaRPr lang="ja-JP" altLang="en-US" sz="4000" dirty="0">
+              <a:solidFill>
+                <a:schemeClr val="bg1">
+                  <a:lumMod val="65000"/>
+                </a:schemeClr>
+              </a:solidFill>
+              <a:latin typeface="M+ 2p medium" panose="020B0603020203020204" pitchFamily="50" charset="-128"/>
+              <a:ea typeface="M+ 2p medium" panose="020B0603020203020204" pitchFamily="50" charset="-128"/>
+              <a:cs typeface="M+ 2p medium" panose="020B0603020203020204" pitchFamily="50" charset="-128"/>
+            </a:endParaRPr>
+          </a:p>
+        </p:txBody>
+      </p:sp>
+    </p:spTree>
+    <p:extLst>
+      <p:ext uri="{BB962C8B-B14F-4D97-AF65-F5344CB8AC3E}">
+        <p14:creationId xmlns:p14="http://schemas.microsoft.com/office/powerpoint/2010/main" val="1135386846"/>
       </p:ext>
     </p:extLst>
   </p:cSld>
